--- a/論文ver1/Frontier個案架構圖.pptx
+++ b/論文ver1/Frontier個案架構圖.pptx
@@ -197,7 +197,7 @@
           <a:p>
             <a:fld id="{1B9A0DA0-9605-4287-B4E6-E534E437C2AD}" type="datetimeFigureOut">
               <a:rPr lang="zh-TW" altLang="en-US" smtClean="0"/>
-              <a:t>2025/3/20</a:t>
+              <a:t>2025/3/24</a:t>
             </a:fld>
             <a:endParaRPr lang="zh-TW" altLang="en-US"/>
           </a:p>
@@ -508,7 +508,228 @@
           <a:bodyPr/>
           <a:lstStyle/>
           <a:p>
-            <a:endParaRPr lang="zh-TW" altLang="en-US" dirty="0"/>
+            <a:pPr marL="0" marR="0" lvl="0" indent="0" algn="l" defTabSz="914400" rtl="0" eaLnBrk="1" fontAlgn="base" latinLnBrk="0" hangingPunct="1">
+              <a:lnSpc>
+                <a:spcPct val="100000"/>
+              </a:lnSpc>
+              <a:spcBef>
+                <a:spcPts val="0"/>
+              </a:spcBef>
+              <a:spcAft>
+                <a:spcPts val="0"/>
+              </a:spcAft>
+              <a:buClrTx/>
+              <a:buSzTx/>
+              <a:buFont typeface="+mj-lt"/>
+              <a:buAutoNum type="arabicPeriod"/>
+              <a:tabLst/>
+              <a:defRPr/>
+            </a:pPr>
+            <a:r>
+              <a:rPr kumimoji="1" lang="zh-TW" altLang="en-US" sz="1400" b="1" dirty="0">
+                <a:solidFill>
+                  <a:srgbClr val="FF0000"/>
+                </a:solidFill>
+                <a:latin typeface="Microsoft JhengHei" panose="020B0604030504040204" pitchFamily="34" charset="-120"/>
+                <a:ea typeface="Microsoft JhengHei" panose="020B0604030504040204" pitchFamily="34" charset="-120"/>
+              </a:rPr>
+              <a:t>問題化：平台如何在問題化階段清晰界定轉型問題並吸引關鍵行動者參與</a:t>
+            </a:r>
+            <a:r>
+              <a:rPr kumimoji="1" lang="en-US" altLang="zh-TW" sz="1400" b="1" dirty="0">
+                <a:solidFill>
+                  <a:srgbClr val="FF0000"/>
+                </a:solidFill>
+                <a:latin typeface="Microsoft JhengHei" panose="020B0604030504040204" pitchFamily="34" charset="-120"/>
+                <a:ea typeface="Microsoft JhengHei" panose="020B0604030504040204" pitchFamily="34" charset="-120"/>
+              </a:rPr>
+              <a:t>? </a:t>
+            </a:r>
+          </a:p>
+          <a:p>
+            <a:pPr marL="0" marR="0" lvl="0" indent="0" algn="l" defTabSz="914400" rtl="0" eaLnBrk="1" fontAlgn="base" latinLnBrk="0" hangingPunct="1">
+              <a:lnSpc>
+                <a:spcPct val="100000"/>
+              </a:lnSpc>
+              <a:spcBef>
+                <a:spcPts val="0"/>
+              </a:spcBef>
+              <a:spcAft>
+                <a:spcPts val="0"/>
+              </a:spcAft>
+              <a:buClrTx/>
+              <a:buSzTx/>
+              <a:buFont typeface="+mj-lt"/>
+              <a:buAutoNum type="arabicPeriod"/>
+              <a:tabLst/>
+              <a:defRPr/>
+            </a:pPr>
+            <a:r>
+              <a:rPr kumimoji="1" lang="zh-TW" altLang="en-US" sz="1400" b="1" dirty="0">
+                <a:solidFill>
+                  <a:srgbClr val="0070C0"/>
+                </a:solidFill>
+                <a:latin typeface="Microsoft JhengHei" panose="020B0604030504040204" pitchFamily="34" charset="-120"/>
+                <a:ea typeface="Microsoft JhengHei" panose="020B0604030504040204" pitchFamily="34" charset="-120"/>
+              </a:rPr>
+              <a:t>利益綑綁：如何確認行動者利益與進行協商以建立穩定關係、網絡建立過程中面對的問題為何</a:t>
+            </a:r>
+            <a:r>
+              <a:rPr kumimoji="1" lang="en-US" altLang="zh-TW" sz="1400" b="1" dirty="0">
+                <a:solidFill>
+                  <a:srgbClr val="0070C0"/>
+                </a:solidFill>
+                <a:latin typeface="Microsoft JhengHei" panose="020B0604030504040204" pitchFamily="34" charset="-120"/>
+                <a:ea typeface="Microsoft JhengHei" panose="020B0604030504040204" pitchFamily="34" charset="-120"/>
+              </a:rPr>
+              <a:t>?</a:t>
+            </a:r>
+            <a:r>
+              <a:rPr kumimoji="1" lang="zh-TW" altLang="en-US" sz="1400" b="1" dirty="0">
+                <a:solidFill>
+                  <a:srgbClr val="0070C0"/>
+                </a:solidFill>
+                <a:latin typeface="Microsoft JhengHei" panose="020B0604030504040204" pitchFamily="34" charset="-120"/>
+                <a:ea typeface="Microsoft JhengHei" panose="020B0604030504040204" pitchFamily="34" charset="-120"/>
+              </a:rPr>
+              <a:t>並分析其對應的解決方案</a:t>
+            </a:r>
+            <a:endParaRPr kumimoji="1" lang="en-US" altLang="zh-TW" sz="1400" b="1" dirty="0">
+              <a:solidFill>
+                <a:srgbClr val="0070C0"/>
+              </a:solidFill>
+              <a:latin typeface="Microsoft JhengHei" panose="020B0604030504040204" pitchFamily="34" charset="-120"/>
+              <a:ea typeface="Microsoft JhengHei" panose="020B0604030504040204" pitchFamily="34" charset="-120"/>
+            </a:endParaRPr>
+          </a:p>
+          <a:p>
+            <a:pPr marL="0" marR="0" lvl="0" indent="0" algn="l" defTabSz="914400" rtl="0" eaLnBrk="1" fontAlgn="base" latinLnBrk="0" hangingPunct="1">
+              <a:lnSpc>
+                <a:spcPct val="100000"/>
+              </a:lnSpc>
+              <a:spcBef>
+                <a:spcPts val="0"/>
+              </a:spcBef>
+              <a:spcAft>
+                <a:spcPts val="0"/>
+              </a:spcAft>
+              <a:buClrTx/>
+              <a:buSzTx/>
+              <a:buFont typeface="+mj-lt"/>
+              <a:buAutoNum type="arabicPeriod"/>
+              <a:tabLst/>
+              <a:defRPr/>
+            </a:pPr>
+            <a:r>
+              <a:rPr kumimoji="1" lang="zh-TW" altLang="en-US" sz="1400" b="1" dirty="0">
+                <a:solidFill>
+                  <a:srgbClr val="FF0000"/>
+                </a:solidFill>
+                <a:latin typeface="Microsoft JhengHei" panose="020B0604030504040204" pitchFamily="34" charset="-120"/>
+                <a:ea typeface="Microsoft JhengHei" panose="020B0604030504040204" pitchFamily="34" charset="-120"/>
+              </a:rPr>
+              <a:t>徵召：如何讓行動者正式加入並承認此數位轉型網絡，進而願意扮演不同行動者需要扮演的角色</a:t>
+            </a:r>
+            <a:endParaRPr kumimoji="1" lang="en-US" altLang="zh-TW" sz="1400" b="1" dirty="0">
+              <a:solidFill>
+                <a:schemeClr val="tx1"/>
+              </a:solidFill>
+              <a:latin typeface="Microsoft JhengHei" panose="020B0604030504040204" pitchFamily="34" charset="-120"/>
+              <a:ea typeface="Microsoft JhengHei" panose="020B0604030504040204" pitchFamily="34" charset="-120"/>
+            </a:endParaRPr>
+          </a:p>
+          <a:p>
+            <a:pPr marL="0" marR="0" lvl="0" indent="0" algn="l" defTabSz="914400" rtl="0" eaLnBrk="1" fontAlgn="base" latinLnBrk="0" hangingPunct="1">
+              <a:lnSpc>
+                <a:spcPct val="100000"/>
+              </a:lnSpc>
+              <a:spcBef>
+                <a:spcPts val="0"/>
+              </a:spcBef>
+              <a:spcAft>
+                <a:spcPts val="0"/>
+              </a:spcAft>
+              <a:buClrTx/>
+              <a:buSzTx/>
+              <a:buFont typeface="+mj-lt"/>
+              <a:buAutoNum type="arabicPeriod"/>
+              <a:tabLst/>
+              <a:defRPr/>
+            </a:pPr>
+            <a:r>
+              <a:rPr kumimoji="1" lang="zh-TW" altLang="en-US" sz="1400" b="1" dirty="0">
+                <a:solidFill>
+                  <a:srgbClr val="1B568C"/>
+                </a:solidFill>
+                <a:latin typeface="Microsoft JhengHei" panose="020B0604030504040204" pitchFamily="34" charset="-120"/>
+                <a:ea typeface="Microsoft JhengHei" panose="020B0604030504040204" pitchFamily="34" charset="-120"/>
+              </a:rPr>
+              <a:t>動員：平台如何進一步穩定行動者間合作，並透過持續的數位化技術創新</a:t>
+            </a:r>
+            <a:r>
+              <a:rPr kumimoji="1" lang="en-US" altLang="zh-TW" sz="1400" b="1" dirty="0">
+                <a:solidFill>
+                  <a:srgbClr val="1B568C"/>
+                </a:solidFill>
+                <a:latin typeface="Microsoft JhengHei" panose="020B0604030504040204" pitchFamily="34" charset="-120"/>
+                <a:ea typeface="Microsoft JhengHei" panose="020B0604030504040204" pitchFamily="34" charset="-120"/>
+              </a:rPr>
+              <a:t>(</a:t>
+            </a:r>
+            <a:r>
+              <a:rPr kumimoji="1" lang="zh-TW" altLang="en-US" sz="1400" b="1" dirty="0">
+                <a:solidFill>
+                  <a:srgbClr val="1B568C"/>
+                </a:solidFill>
+                <a:latin typeface="Microsoft JhengHei" panose="020B0604030504040204" pitchFamily="34" charset="-120"/>
+                <a:ea typeface="Microsoft JhengHei" panose="020B0604030504040204" pitchFamily="34" charset="-120"/>
+              </a:rPr>
+              <a:t>這裡不確定用甚麼方式</a:t>
+            </a:r>
+            <a:r>
+              <a:rPr kumimoji="1" lang="en-US" altLang="zh-TW" sz="1400" b="1" dirty="0">
+                <a:solidFill>
+                  <a:srgbClr val="1B568C"/>
+                </a:solidFill>
+                <a:latin typeface="Microsoft JhengHei" panose="020B0604030504040204" pitchFamily="34" charset="-120"/>
+                <a:ea typeface="Microsoft JhengHei" panose="020B0604030504040204" pitchFamily="34" charset="-120"/>
+              </a:rPr>
+              <a:t>)</a:t>
+            </a:r>
+            <a:r>
+              <a:rPr kumimoji="1" lang="zh-TW" altLang="en-US" sz="1400" b="1" dirty="0">
+                <a:solidFill>
+                  <a:srgbClr val="1B568C"/>
+                </a:solidFill>
+                <a:latin typeface="Microsoft JhengHei" panose="020B0604030504040204" pitchFamily="34" charset="-120"/>
+                <a:ea typeface="Microsoft JhengHei" panose="020B0604030504040204" pitchFamily="34" charset="-120"/>
+              </a:rPr>
+              <a:t>擴大網絡影響力</a:t>
+            </a:r>
+            <a:r>
+              <a:rPr kumimoji="1" lang="zh-TW" altLang="en-US" sz="1400" b="1" dirty="0">
+                <a:solidFill>
+                  <a:schemeClr val="tx1"/>
+                </a:solidFill>
+                <a:latin typeface="Microsoft JhengHei" panose="020B0604030504040204" pitchFamily="34" charset="-120"/>
+                <a:ea typeface="Microsoft JhengHei" panose="020B0604030504040204" pitchFamily="34" charset="-120"/>
+              </a:rPr>
+              <a:t>。</a:t>
+            </a:r>
+          </a:p>
+          <a:p>
+            <a:pPr rtl="0" fontAlgn="base">
+              <a:buFont typeface="+mj-lt"/>
+              <a:buAutoNum type="arabicPeriod"/>
+            </a:pPr>
+            <a:endParaRPr lang="zh-TW" altLang="en-US" sz="1400" b="0" i="0" u="none" strike="noStrike" dirty="0">
+              <a:solidFill>
+                <a:srgbClr val="292929"/>
+              </a:solidFill>
+              <a:effectLst/>
+              <a:latin typeface="DFKai-SB" panose="03000509000000000000" pitchFamily="65" charset="-120"/>
+              <a:ea typeface="DFKai-SB" panose="03000509000000000000" pitchFamily="65" charset="-120"/>
+            </a:endParaRPr>
           </a:p>
         </p:txBody>
       </p:sp>
@@ -677,7 +898,7 @@
           <a:p>
             <a:fld id="{52310252-A9E2-4B4A-AF86-1B3DE9E769F3}" type="datetimeFigureOut">
               <a:rPr lang="zh-TW" altLang="en-US" smtClean="0"/>
-              <a:t>2025/3/20</a:t>
+              <a:t>2025/3/24</a:t>
             </a:fld>
             <a:endParaRPr lang="zh-TW" altLang="en-US"/>
           </a:p>
@@ -845,7 +1066,7 @@
           <a:p>
             <a:fld id="{52310252-A9E2-4B4A-AF86-1B3DE9E769F3}" type="datetimeFigureOut">
               <a:rPr lang="zh-TW" altLang="en-US" smtClean="0"/>
-              <a:t>2025/3/20</a:t>
+              <a:t>2025/3/24</a:t>
             </a:fld>
             <a:endParaRPr lang="zh-TW" altLang="en-US"/>
           </a:p>
@@ -1023,7 +1244,7 @@
           <a:p>
             <a:fld id="{52310252-A9E2-4B4A-AF86-1B3DE9E769F3}" type="datetimeFigureOut">
               <a:rPr lang="zh-TW" altLang="en-US" smtClean="0"/>
-              <a:t>2025/3/20</a:t>
+              <a:t>2025/3/24</a:t>
             </a:fld>
             <a:endParaRPr lang="zh-TW" altLang="en-US"/>
           </a:p>
@@ -1191,7 +1412,7 @@
           <a:p>
             <a:fld id="{52310252-A9E2-4B4A-AF86-1B3DE9E769F3}" type="datetimeFigureOut">
               <a:rPr lang="zh-TW" altLang="en-US" smtClean="0"/>
-              <a:t>2025/3/20</a:t>
+              <a:t>2025/3/24</a:t>
             </a:fld>
             <a:endParaRPr lang="zh-TW" altLang="en-US"/>
           </a:p>
@@ -1436,7 +1657,7 @@
           <a:p>
             <a:fld id="{52310252-A9E2-4B4A-AF86-1B3DE9E769F3}" type="datetimeFigureOut">
               <a:rPr lang="zh-TW" altLang="en-US" smtClean="0"/>
-              <a:t>2025/3/20</a:t>
+              <a:t>2025/3/24</a:t>
             </a:fld>
             <a:endParaRPr lang="zh-TW" altLang="en-US"/>
           </a:p>
@@ -1665,7 +1886,7 @@
           <a:p>
             <a:fld id="{52310252-A9E2-4B4A-AF86-1B3DE9E769F3}" type="datetimeFigureOut">
               <a:rPr lang="zh-TW" altLang="en-US" smtClean="0"/>
-              <a:t>2025/3/20</a:t>
+              <a:t>2025/3/24</a:t>
             </a:fld>
             <a:endParaRPr lang="zh-TW" altLang="en-US"/>
           </a:p>
@@ -2029,7 +2250,7 @@
           <a:p>
             <a:fld id="{52310252-A9E2-4B4A-AF86-1B3DE9E769F3}" type="datetimeFigureOut">
               <a:rPr lang="zh-TW" altLang="en-US" smtClean="0"/>
-              <a:t>2025/3/20</a:t>
+              <a:t>2025/3/24</a:t>
             </a:fld>
             <a:endParaRPr lang="zh-TW" altLang="en-US"/>
           </a:p>
@@ -2146,7 +2367,7 @@
           <a:p>
             <a:fld id="{52310252-A9E2-4B4A-AF86-1B3DE9E769F3}" type="datetimeFigureOut">
               <a:rPr lang="zh-TW" altLang="en-US" smtClean="0"/>
-              <a:t>2025/3/20</a:t>
+              <a:t>2025/3/24</a:t>
             </a:fld>
             <a:endParaRPr lang="zh-TW" altLang="en-US"/>
           </a:p>
@@ -2241,7 +2462,7 @@
           <a:p>
             <a:fld id="{52310252-A9E2-4B4A-AF86-1B3DE9E769F3}" type="datetimeFigureOut">
               <a:rPr lang="zh-TW" altLang="en-US" smtClean="0"/>
-              <a:t>2025/3/20</a:t>
+              <a:t>2025/3/24</a:t>
             </a:fld>
             <a:endParaRPr lang="zh-TW" altLang="en-US"/>
           </a:p>
@@ -2516,7 +2737,7 @@
           <a:p>
             <a:fld id="{52310252-A9E2-4B4A-AF86-1B3DE9E769F3}" type="datetimeFigureOut">
               <a:rPr lang="zh-TW" altLang="en-US" smtClean="0"/>
-              <a:t>2025/3/20</a:t>
+              <a:t>2025/3/24</a:t>
             </a:fld>
             <a:endParaRPr lang="zh-TW" altLang="en-US"/>
           </a:p>
@@ -2768,7 +2989,7 @@
           <a:p>
             <a:fld id="{52310252-A9E2-4B4A-AF86-1B3DE9E769F3}" type="datetimeFigureOut">
               <a:rPr lang="zh-TW" altLang="en-US" smtClean="0"/>
-              <a:t>2025/3/20</a:t>
+              <a:t>2025/3/24</a:t>
             </a:fld>
             <a:endParaRPr lang="zh-TW" altLang="en-US"/>
           </a:p>
@@ -2979,7 +3200,7 @@
           <a:p>
             <a:fld id="{52310252-A9E2-4B4A-AF86-1B3DE9E769F3}" type="datetimeFigureOut">
               <a:rPr lang="zh-TW" altLang="en-US" smtClean="0"/>
-              <a:t>2025/3/20</a:t>
+              <a:t>2025/3/24</a:t>
             </a:fld>
             <a:endParaRPr lang="zh-TW" altLang="en-US"/>
           </a:p>
@@ -3512,790 +3733,861 @@
           </a:p>
         </p:txBody>
       </p:sp>
-      <p:sp>
-        <p:nvSpPr>
-          <p:cNvPr id="3" name="矩形 2">
+      <p:grpSp>
+        <p:nvGrpSpPr>
+          <p:cNvPr id="2" name="群組 1">
             <a:extLst>
               <a:ext uri="{FF2B5EF4-FFF2-40B4-BE49-F238E27FC236}">
-                <a16:creationId xmlns:a16="http://schemas.microsoft.com/office/drawing/2014/main" id="{A7AE0A60-4E94-6D4F-9663-DD120477EB84}"/>
+                <a16:creationId xmlns:a16="http://schemas.microsoft.com/office/drawing/2014/main" id="{FD64A23C-131D-4AA8-2D0C-E636145A602A}"/>
               </a:ext>
             </a:extLst>
           </p:cNvPr>
-          <p:cNvSpPr/>
+          <p:cNvGrpSpPr/>
           <p:nvPr/>
-        </p:nvSpPr>
-        <p:spPr>
+        </p:nvGrpSpPr>
+        <p:grpSpPr>
           <a:xfrm>
-            <a:off x="4610215" y="1155789"/>
-            <a:ext cx="4841957" cy="601184"/>
+            <a:off x="1758318" y="1155100"/>
+            <a:ext cx="8675362" cy="4994830"/>
+            <a:chOff x="2711966" y="1155100"/>
+            <a:chExt cx="8675362" cy="4994830"/>
           </a:xfrm>
-          <a:prstGeom prst="rect">
-            <a:avLst/>
-          </a:prstGeom>
-          <a:noFill/>
-          <a:ln w="19050">
+        </p:grpSpPr>
+        <p:sp>
+          <p:nvSpPr>
+            <p:cNvPr id="3" name="矩形 2">
+              <a:extLst>
+                <a:ext uri="{FF2B5EF4-FFF2-40B4-BE49-F238E27FC236}">
+                  <a16:creationId xmlns:a16="http://schemas.microsoft.com/office/drawing/2014/main" id="{A7AE0A60-4E94-6D4F-9663-DD120477EB84}"/>
+                </a:ext>
+              </a:extLst>
+            </p:cNvPr>
+            <p:cNvSpPr/>
+            <p:nvPr/>
+          </p:nvSpPr>
+          <p:spPr>
+            <a:xfrm>
+              <a:off x="4610215" y="1155789"/>
+              <a:ext cx="6777113" cy="601184"/>
+            </a:xfrm>
+            <a:prstGeom prst="rect">
+              <a:avLst/>
+            </a:prstGeom>
+            <a:noFill/>
+            <a:ln w="19050">
+              <a:solidFill>
+                <a:srgbClr val="1B568C"/>
+              </a:solidFill>
+            </a:ln>
+          </p:spPr>
+          <p:style>
+            <a:lnRef idx="2">
+              <a:schemeClr val="accent1">
+                <a:shade val="50000"/>
+              </a:schemeClr>
+            </a:lnRef>
+            <a:fillRef idx="1">
+              <a:schemeClr val="accent1"/>
+            </a:fillRef>
+            <a:effectRef idx="0">
+              <a:schemeClr val="accent1"/>
+            </a:effectRef>
+            <a:fontRef idx="minor">
+              <a:schemeClr val="lt1"/>
+            </a:fontRef>
+          </p:style>
+          <p:txBody>
+            <a:bodyPr rtlCol="0" anchor="ctr"/>
+            <a:lstStyle/>
+            <a:p>
+              <a:pPr algn="ctr"/>
+              <a:r>
+                <a:rPr kumimoji="1" lang="zh-TW" altLang="en-US" b="1" dirty="0">
+                  <a:solidFill>
+                    <a:schemeClr val="tx1"/>
+                  </a:solidFill>
+                  <a:latin typeface="Microsoft JhengHei" panose="020B0604030504040204" pitchFamily="34" charset="-120"/>
+                  <a:ea typeface="Microsoft JhengHei" panose="020B0604030504040204" pitchFamily="34" charset="-120"/>
+                </a:rPr>
+                <a:t>發現</a:t>
+              </a:r>
+              <a:r>
+                <a:rPr kumimoji="1" lang="en-US" altLang="zh-TW" b="1" dirty="0">
+                  <a:solidFill>
+                    <a:schemeClr val="tx1"/>
+                  </a:solidFill>
+                  <a:latin typeface="Microsoft JhengHei" panose="020B0604030504040204" pitchFamily="34" charset="-120"/>
+                  <a:ea typeface="Microsoft JhengHei" panose="020B0604030504040204" pitchFamily="34" charset="-120"/>
+                </a:rPr>
+                <a:t>Frontier</a:t>
+              </a:r>
+              <a:r>
+                <a:rPr kumimoji="1" lang="zh-TW" altLang="en-US" b="1" dirty="0">
+                  <a:solidFill>
+                    <a:schemeClr val="tx1"/>
+                  </a:solidFill>
+                  <a:latin typeface="Microsoft JhengHei" panose="020B0604030504040204" pitchFamily="34" charset="-120"/>
+                  <a:ea typeface="Microsoft JhengHei" panose="020B0604030504040204" pitchFamily="34" charset="-120"/>
+                </a:rPr>
+                <a:t>的數位紡織雲平台</a:t>
+              </a:r>
+              <a:r>
+                <a:rPr kumimoji="1" lang="en-US" altLang="zh-TW" b="1" dirty="0" err="1">
+                  <a:solidFill>
+                    <a:schemeClr val="tx1"/>
+                  </a:solidFill>
+                  <a:latin typeface="Microsoft JhengHei" panose="020B0604030504040204" pitchFamily="34" charset="-120"/>
+                  <a:ea typeface="Microsoft JhengHei" panose="020B0604030504040204" pitchFamily="34" charset="-120"/>
+                </a:rPr>
+                <a:t>TextileCloud</a:t>
+              </a:r>
+              <a:r>
+                <a:rPr kumimoji="1" lang="en-US" altLang="zh-TW" b="1" dirty="0">
+                  <a:solidFill>
+                    <a:schemeClr val="tx1"/>
+                  </a:solidFill>
+                  <a:latin typeface="Microsoft JhengHei" panose="020B0604030504040204" pitchFamily="34" charset="-120"/>
+                  <a:ea typeface="Microsoft JhengHei" panose="020B0604030504040204" pitchFamily="34" charset="-120"/>
+                </a:rPr>
+                <a:t>™</a:t>
+              </a:r>
+              <a:r>
+                <a:rPr kumimoji="1" lang="zh-TW" altLang="en-US" b="1" dirty="0">
+                  <a:solidFill>
+                    <a:schemeClr val="tx1"/>
+                  </a:solidFill>
+                  <a:latin typeface="Microsoft JhengHei" panose="020B0604030504040204" pitchFamily="34" charset="-120"/>
+                  <a:ea typeface="Microsoft JhengHei" panose="020B0604030504040204" pitchFamily="34" charset="-120"/>
+                </a:rPr>
+                <a:t>解決傳統紡織製造中痛點，並在產業數位轉型成功的過程中扮演關鍵角色。</a:t>
+              </a:r>
+            </a:p>
+          </p:txBody>
+        </p:sp>
+        <p:sp>
+          <p:nvSpPr>
+            <p:cNvPr id="7" name="矩形 6">
+              <a:extLst>
+                <a:ext uri="{FF2B5EF4-FFF2-40B4-BE49-F238E27FC236}">
+                  <a16:creationId xmlns:a16="http://schemas.microsoft.com/office/drawing/2014/main" id="{F33863D0-3BD4-3B43-8CCB-B476A5FD50DA}"/>
+                </a:ext>
+              </a:extLst>
+            </p:cNvPr>
+            <p:cNvSpPr/>
+            <p:nvPr/>
+          </p:nvSpPr>
+          <p:spPr>
+            <a:xfrm>
+              <a:off x="2711967" y="1155100"/>
+              <a:ext cx="1898248" cy="612759"/>
+            </a:xfrm>
+            <a:prstGeom prst="rect">
+              <a:avLst/>
+            </a:prstGeom>
             <a:solidFill>
               <a:srgbClr val="1B568C"/>
             </a:solidFill>
-          </a:ln>
-        </p:spPr>
-        <p:style>
-          <a:lnRef idx="2">
-            <a:schemeClr val="accent1">
-              <a:shade val="50000"/>
-            </a:schemeClr>
-          </a:lnRef>
-          <a:fillRef idx="1">
-            <a:schemeClr val="accent1"/>
-          </a:fillRef>
-          <a:effectRef idx="0">
-            <a:schemeClr val="accent1"/>
-          </a:effectRef>
-          <a:fontRef idx="minor">
-            <a:schemeClr val="lt1"/>
-          </a:fontRef>
-        </p:style>
-        <p:txBody>
-          <a:bodyPr rtlCol="0" anchor="ctr"/>
-          <a:lstStyle/>
-          <a:p>
-            <a:pPr algn="ctr"/>
-            <a:r>
-              <a:rPr kumimoji="1" lang="zh-TW" altLang="en-US" sz="1600" dirty="0">
+            <a:ln>
+              <a:solidFill>
+                <a:srgbClr val="1B568C"/>
+              </a:solidFill>
+            </a:ln>
+          </p:spPr>
+          <p:style>
+            <a:lnRef idx="2">
+              <a:schemeClr val="accent1">
+                <a:shade val="50000"/>
+              </a:schemeClr>
+            </a:lnRef>
+            <a:fillRef idx="1">
+              <a:schemeClr val="accent1"/>
+            </a:fillRef>
+            <a:effectRef idx="0">
+              <a:schemeClr val="accent1"/>
+            </a:effectRef>
+            <a:fontRef idx="minor">
+              <a:schemeClr val="lt1"/>
+            </a:fontRef>
+          </p:style>
+          <p:txBody>
+            <a:bodyPr rtlCol="0" anchor="ctr"/>
+            <a:lstStyle/>
+            <a:p>
+              <a:pPr algn="ctr"/>
+              <a:r>
+                <a:rPr kumimoji="1" lang="zh-TW" altLang="en-US" dirty="0">
+                  <a:latin typeface="Microsoft JhengHei" panose="020B0604030504040204" pitchFamily="34" charset="-120"/>
+                  <a:ea typeface="Microsoft JhengHei" panose="020B0604030504040204" pitchFamily="34" charset="-120"/>
+                </a:rPr>
+                <a:t>現象觀察</a:t>
+              </a:r>
+            </a:p>
+          </p:txBody>
+        </p:sp>
+        <p:sp>
+          <p:nvSpPr>
+            <p:cNvPr id="20" name="矩形 19">
+              <a:extLst>
+                <a:ext uri="{FF2B5EF4-FFF2-40B4-BE49-F238E27FC236}">
+                  <a16:creationId xmlns:a16="http://schemas.microsoft.com/office/drawing/2014/main" id="{1B62BA96-855F-CC45-B1CE-D4876A92E501}"/>
+                </a:ext>
+              </a:extLst>
+            </p:cNvPr>
+            <p:cNvSpPr/>
+            <p:nvPr/>
+          </p:nvSpPr>
+          <p:spPr>
+            <a:xfrm>
+              <a:off x="4610215" y="3998634"/>
+              <a:ext cx="6777113" cy="976537"/>
+            </a:xfrm>
+            <a:prstGeom prst="rect">
+              <a:avLst/>
+            </a:prstGeom>
+            <a:noFill/>
+            <a:ln w="19050">
+              <a:solidFill>
+                <a:srgbClr val="1B568C"/>
+              </a:solidFill>
+            </a:ln>
+          </p:spPr>
+          <p:style>
+            <a:lnRef idx="2">
+              <a:schemeClr val="accent1">
+                <a:shade val="50000"/>
+              </a:schemeClr>
+            </a:lnRef>
+            <a:fillRef idx="1">
+              <a:schemeClr val="accent1"/>
+            </a:fillRef>
+            <a:effectRef idx="0">
+              <a:schemeClr val="accent1"/>
+            </a:effectRef>
+            <a:fontRef idx="minor">
+              <a:schemeClr val="lt1"/>
+            </a:fontRef>
+          </p:style>
+          <p:txBody>
+            <a:bodyPr rtlCol="0" anchor="ctr"/>
+            <a:lstStyle/>
+            <a:p>
+              <a:pPr algn="ctr"/>
+              <a:r>
+                <a:rPr kumimoji="1" lang="zh-TW" altLang="en-US" b="1" dirty="0">
+                  <a:solidFill>
+                    <a:schemeClr val="tx1"/>
+                  </a:solidFill>
+                  <a:latin typeface="Microsoft JhengHei" panose="020B0604030504040204" pitchFamily="34" charset="-120"/>
+                  <a:ea typeface="Microsoft JhengHei" panose="020B0604030504040204" pitchFamily="34" charset="-120"/>
+                </a:rPr>
+                <a:t>分析</a:t>
+              </a:r>
+              <a:r>
+                <a:rPr kumimoji="1" lang="zh-TW" altLang="en-US" b="1" dirty="0">
+                  <a:solidFill>
+                    <a:srgbClr val="FF0000"/>
+                  </a:solidFill>
+                  <a:latin typeface="Microsoft JhengHei" panose="020B0604030504040204" pitchFamily="34" charset="-120"/>
+                  <a:ea typeface="Microsoft JhengHei" panose="020B0604030504040204" pitchFamily="34" charset="-120"/>
+                </a:rPr>
+                <a:t>網絡轉譯流程</a:t>
+              </a:r>
+              <a:r>
+                <a:rPr kumimoji="1" lang="zh-TW" altLang="en-US" b="1" dirty="0">
+                  <a:solidFill>
+                    <a:schemeClr val="tx1"/>
+                  </a:solidFill>
+                  <a:latin typeface="Microsoft JhengHei" panose="020B0604030504040204" pitchFamily="34" charset="-120"/>
+                  <a:ea typeface="Microsoft JhengHei" panose="020B0604030504040204" pitchFamily="34" charset="-120"/>
+                </a:rPr>
+                <a:t>，以及</a:t>
+              </a:r>
+              <a:r>
+                <a:rPr kumimoji="1" lang="zh-TW" altLang="en-US" b="1" dirty="0">
+                  <a:solidFill>
+                    <a:srgbClr val="FF0000"/>
+                  </a:solidFill>
+                  <a:latin typeface="Microsoft JhengHei" panose="020B0604030504040204" pitchFamily="34" charset="-120"/>
+                  <a:ea typeface="Microsoft JhengHei" panose="020B0604030504040204" pitchFamily="34" charset="-120"/>
+                </a:rPr>
+                <a:t>轉譯流程中平台如何利用動態能力中三個關鍵要素（</a:t>
+              </a:r>
+              <a:r>
+                <a:rPr kumimoji="1" lang="en-US" altLang="zh-TW" b="1" dirty="0">
+                  <a:solidFill>
+                    <a:srgbClr val="FF0000"/>
+                  </a:solidFill>
+                  <a:latin typeface="Microsoft JhengHei" panose="020B0604030504040204" pitchFamily="34" charset="-120"/>
+                  <a:ea typeface="Microsoft JhengHei" panose="020B0604030504040204" pitchFamily="34" charset="-120"/>
+                </a:rPr>
+                <a:t>Path</a:t>
+              </a:r>
+              <a:r>
+                <a:rPr kumimoji="1" lang="zh-TW" altLang="en-US" b="1" dirty="0">
+                  <a:solidFill>
+                    <a:srgbClr val="FF0000"/>
+                  </a:solidFill>
+                  <a:latin typeface="Microsoft JhengHei" panose="020B0604030504040204" pitchFamily="34" charset="-120"/>
+                  <a:ea typeface="Microsoft JhengHei" panose="020B0604030504040204" pitchFamily="34" charset="-120"/>
+                </a:rPr>
+                <a:t>、</a:t>
+              </a:r>
+              <a:r>
+                <a:rPr kumimoji="1" lang="en-US" altLang="zh-TW" b="1" dirty="0">
+                  <a:solidFill>
+                    <a:srgbClr val="FF0000"/>
+                  </a:solidFill>
+                  <a:latin typeface="Microsoft JhengHei" panose="020B0604030504040204" pitchFamily="34" charset="-120"/>
+                  <a:ea typeface="Microsoft JhengHei" panose="020B0604030504040204" pitchFamily="34" charset="-120"/>
+                </a:rPr>
+                <a:t>Process</a:t>
+              </a:r>
+              <a:r>
+                <a:rPr kumimoji="1" lang="zh-TW" altLang="en-US" b="1" dirty="0">
+                  <a:solidFill>
+                    <a:srgbClr val="FF0000"/>
+                  </a:solidFill>
+                  <a:latin typeface="Microsoft JhengHei" panose="020B0604030504040204" pitchFamily="34" charset="-120"/>
+                  <a:ea typeface="Microsoft JhengHei" panose="020B0604030504040204" pitchFamily="34" charset="-120"/>
+                </a:rPr>
+                <a:t>、</a:t>
+              </a:r>
+              <a:r>
+                <a:rPr kumimoji="1" lang="en-US" altLang="zh-TW" b="1" dirty="0">
+                  <a:solidFill>
+                    <a:srgbClr val="FF0000"/>
+                  </a:solidFill>
+                  <a:latin typeface="Microsoft JhengHei" panose="020B0604030504040204" pitchFamily="34" charset="-120"/>
+                  <a:ea typeface="Microsoft JhengHei" panose="020B0604030504040204" pitchFamily="34" charset="-120"/>
+                </a:rPr>
+                <a:t>Position</a:t>
+              </a:r>
+              <a:r>
+                <a:rPr kumimoji="1" lang="zh-TW" altLang="en-US" b="1" dirty="0">
+                  <a:solidFill>
+                    <a:srgbClr val="FF0000"/>
+                  </a:solidFill>
+                  <a:latin typeface="Microsoft JhengHei" panose="020B0604030504040204" pitchFamily="34" charset="-120"/>
+                  <a:ea typeface="Microsoft JhengHei" panose="020B0604030504040204" pitchFamily="34" charset="-120"/>
+                </a:rPr>
+                <a:t>）來感知、捕捉和轉換資源，協助平台解決數位轉型過程的問題</a:t>
+              </a:r>
+              <a:r>
+                <a:rPr kumimoji="1" lang="zh-TW" altLang="en-US" b="1" dirty="0">
+                  <a:solidFill>
+                    <a:schemeClr val="tx1"/>
+                  </a:solidFill>
+                  <a:latin typeface="Microsoft JhengHei" panose="020B0604030504040204" pitchFamily="34" charset="-120"/>
+                  <a:ea typeface="Microsoft JhengHei" panose="020B0604030504040204" pitchFamily="34" charset="-120"/>
+                </a:rPr>
+                <a:t>，並建立數位轉型網絡。</a:t>
+              </a:r>
+            </a:p>
+          </p:txBody>
+        </p:sp>
+        <p:sp>
+          <p:nvSpPr>
+            <p:cNvPr id="21" name="矩形 20">
+              <a:extLst>
+                <a:ext uri="{FF2B5EF4-FFF2-40B4-BE49-F238E27FC236}">
+                  <a16:creationId xmlns:a16="http://schemas.microsoft.com/office/drawing/2014/main" id="{FAF8597D-5B69-A048-BA18-CB4654D12A99}"/>
+                </a:ext>
+              </a:extLst>
+            </p:cNvPr>
+            <p:cNvSpPr/>
+            <p:nvPr/>
+          </p:nvSpPr>
+          <p:spPr>
+            <a:xfrm>
+              <a:off x="2711967" y="4076480"/>
+              <a:ext cx="1898248" cy="612759"/>
+            </a:xfrm>
+            <a:prstGeom prst="rect">
+              <a:avLst/>
+            </a:prstGeom>
+            <a:solidFill>
+              <a:srgbClr val="1B568C"/>
+            </a:solidFill>
+            <a:ln>
+              <a:solidFill>
+                <a:srgbClr val="1B568C"/>
+              </a:solidFill>
+            </a:ln>
+          </p:spPr>
+          <p:style>
+            <a:lnRef idx="2">
+              <a:schemeClr val="accent1">
+                <a:shade val="50000"/>
+              </a:schemeClr>
+            </a:lnRef>
+            <a:fillRef idx="1">
+              <a:schemeClr val="accent1"/>
+            </a:fillRef>
+            <a:effectRef idx="0">
+              <a:schemeClr val="accent1"/>
+            </a:effectRef>
+            <a:fontRef idx="minor">
+              <a:schemeClr val="lt1"/>
+            </a:fontRef>
+          </p:style>
+          <p:txBody>
+            <a:bodyPr rtlCol="0" anchor="ctr"/>
+            <a:lstStyle/>
+            <a:p>
+              <a:pPr algn="ctr"/>
+              <a:r>
+                <a:rPr kumimoji="1" lang="zh-TW" altLang="en-US" dirty="0">
+                  <a:latin typeface="Microsoft JhengHei" panose="020B0604030504040204" pitchFamily="34" charset="-120"/>
+                  <a:ea typeface="Microsoft JhengHei" panose="020B0604030504040204" pitchFamily="34" charset="-120"/>
+                </a:rPr>
+                <a:t>分析單元</a:t>
+              </a:r>
+            </a:p>
+          </p:txBody>
+        </p:sp>
+        <p:sp>
+          <p:nvSpPr>
+            <p:cNvPr id="22" name="矩形 21">
+              <a:extLst>
+                <a:ext uri="{FF2B5EF4-FFF2-40B4-BE49-F238E27FC236}">
+                  <a16:creationId xmlns:a16="http://schemas.microsoft.com/office/drawing/2014/main" id="{497ED3AD-5293-3847-8350-6AA0E53B16EA}"/>
+                </a:ext>
+              </a:extLst>
+            </p:cNvPr>
+            <p:cNvSpPr/>
+            <p:nvPr/>
+          </p:nvSpPr>
+          <p:spPr>
+            <a:xfrm>
+              <a:off x="4610215" y="5534732"/>
+              <a:ext cx="6777113" cy="612000"/>
+            </a:xfrm>
+            <a:prstGeom prst="rect">
+              <a:avLst/>
+            </a:prstGeom>
+            <a:noFill/>
+            <a:ln w="19050">
+              <a:solidFill>
+                <a:srgbClr val="1B568C"/>
+              </a:solidFill>
+            </a:ln>
+          </p:spPr>
+          <p:style>
+            <a:lnRef idx="2">
+              <a:schemeClr val="accent1">
+                <a:shade val="50000"/>
+              </a:schemeClr>
+            </a:lnRef>
+            <a:fillRef idx="1">
+              <a:schemeClr val="accent1"/>
+            </a:fillRef>
+            <a:effectRef idx="0">
+              <a:schemeClr val="accent1"/>
+            </a:effectRef>
+            <a:fontRef idx="minor">
+              <a:schemeClr val="lt1"/>
+            </a:fontRef>
+          </p:style>
+          <p:txBody>
+            <a:bodyPr rtlCol="0" anchor="ctr"/>
+            <a:lstStyle/>
+            <a:p>
+              <a:pPr algn="ctr"/>
+              <a:r>
+                <a:rPr kumimoji="1" lang="zh-TW" altLang="en-US" b="1" dirty="0">
+                  <a:solidFill>
+                    <a:schemeClr val="tx1"/>
+                  </a:solidFill>
+                  <a:latin typeface="Microsoft JhengHei" panose="020B0604030504040204" pitchFamily="34" charset="-120"/>
+                  <a:ea typeface="Microsoft JhengHei" panose="020B0604030504040204" pitchFamily="34" charset="-120"/>
+                </a:rPr>
+                <a:t>企業數位轉型、行動者網絡理論（</a:t>
+              </a:r>
+              <a:r>
+                <a:rPr kumimoji="1" lang="en-US" altLang="zh-TW" b="1" dirty="0">
+                  <a:solidFill>
+                    <a:schemeClr val="tx1"/>
+                  </a:solidFill>
+                  <a:latin typeface="Microsoft JhengHei" panose="020B0604030504040204" pitchFamily="34" charset="-120"/>
+                  <a:ea typeface="Microsoft JhengHei" panose="020B0604030504040204" pitchFamily="34" charset="-120"/>
+                </a:rPr>
+                <a:t>ANT</a:t>
+              </a:r>
+              <a:r>
+                <a:rPr kumimoji="1" lang="zh-TW" altLang="en-US" b="1" dirty="0">
+                  <a:solidFill>
+                    <a:schemeClr val="tx1"/>
+                  </a:solidFill>
+                  <a:latin typeface="Microsoft JhengHei" panose="020B0604030504040204" pitchFamily="34" charset="-120"/>
+                  <a:ea typeface="Microsoft JhengHei" panose="020B0604030504040204" pitchFamily="34" charset="-120"/>
+                </a:rPr>
+                <a:t>）</a:t>
+              </a:r>
+              <a:endParaRPr kumimoji="1" lang="en-US" altLang="zh-TW" b="1" dirty="0">
                 <a:solidFill>
                   <a:schemeClr val="tx1"/>
                 </a:solidFill>
                 <a:latin typeface="Microsoft JhengHei" panose="020B0604030504040204" pitchFamily="34" charset="-120"/>
                 <a:ea typeface="Microsoft JhengHei" panose="020B0604030504040204" pitchFamily="34" charset="-120"/>
-              </a:rPr>
-              <a:t>在社會變動快速與企業競爭的環境下，</a:t>
-            </a:r>
-            <a:endParaRPr kumimoji="1" lang="en-US" altLang="zh-TW" sz="1600" dirty="0">
-              <a:solidFill>
-                <a:schemeClr val="tx1"/>
-              </a:solidFill>
-              <a:latin typeface="Microsoft JhengHei" panose="020B0604030504040204" pitchFamily="34" charset="-120"/>
-              <a:ea typeface="Microsoft JhengHei" panose="020B0604030504040204" pitchFamily="34" charset="-120"/>
-            </a:endParaRPr>
-          </a:p>
-          <a:p>
-            <a:pPr algn="ctr"/>
-            <a:r>
-              <a:rPr kumimoji="1" lang="zh-TW" altLang="en-US" sz="1600" dirty="0">
-                <a:solidFill>
-                  <a:schemeClr val="tx1"/>
-                </a:solidFill>
-                <a:latin typeface="Microsoft JhengHei" panose="020B0604030504040204" pitchFamily="34" charset="-120"/>
-                <a:ea typeface="Microsoft JhengHei" panose="020B0604030504040204" pitchFamily="34" charset="-120"/>
-              </a:rPr>
-              <a:t>新創公司做出了主導邏輯轉變的經營策略</a:t>
-            </a:r>
-            <a:endParaRPr kumimoji="1" lang="zh-TW" altLang="en-US" sz="1600" b="1" dirty="0">
-              <a:solidFill>
-                <a:schemeClr val="tx1"/>
-              </a:solidFill>
-              <a:latin typeface="Microsoft JhengHei" panose="020B0604030504040204" pitchFamily="34" charset="-120"/>
-              <a:ea typeface="Microsoft JhengHei" panose="020B0604030504040204" pitchFamily="34" charset="-120"/>
-            </a:endParaRPr>
-          </a:p>
-        </p:txBody>
-      </p:sp>
-      <p:sp>
-        <p:nvSpPr>
-          <p:cNvPr id="7" name="矩形 6">
-            <a:extLst>
-              <a:ext uri="{FF2B5EF4-FFF2-40B4-BE49-F238E27FC236}">
-                <a16:creationId xmlns:a16="http://schemas.microsoft.com/office/drawing/2014/main" id="{F33863D0-3BD4-3B43-8CCB-B476A5FD50DA}"/>
-              </a:ext>
-            </a:extLst>
-          </p:cNvPr>
-          <p:cNvSpPr/>
-          <p:nvPr/>
-        </p:nvSpPr>
-        <p:spPr>
-          <a:xfrm>
-            <a:off x="2711967" y="1155100"/>
-            <a:ext cx="1898248" cy="612759"/>
-          </a:xfrm>
-          <a:prstGeom prst="rect">
-            <a:avLst/>
-          </a:prstGeom>
-          <a:solidFill>
-            <a:srgbClr val="1B568C"/>
-          </a:solidFill>
-          <a:ln>
+              </a:endParaRPr>
+            </a:p>
+            <a:p>
+              <a:pPr algn="ctr"/>
+              <a:r>
+                <a:rPr kumimoji="1" lang="zh-TW" altLang="en-US" b="1" dirty="0">
+                  <a:solidFill>
+                    <a:schemeClr val="tx1"/>
+                  </a:solidFill>
+                  <a:latin typeface="Microsoft JhengHei" panose="020B0604030504040204" pitchFamily="34" charset="-120"/>
+                  <a:ea typeface="Microsoft JhengHei" panose="020B0604030504040204" pitchFamily="34" charset="-120"/>
+                </a:rPr>
+                <a:t>動態能力理論（</a:t>
+              </a:r>
+              <a:r>
+                <a:rPr kumimoji="1" lang="en-US" altLang="zh-TW" b="1" dirty="0">
+                  <a:solidFill>
+                    <a:schemeClr val="tx1"/>
+                  </a:solidFill>
+                  <a:latin typeface="Microsoft JhengHei" panose="020B0604030504040204" pitchFamily="34" charset="-120"/>
+                  <a:ea typeface="Microsoft JhengHei" panose="020B0604030504040204" pitchFamily="34" charset="-120"/>
+                </a:rPr>
+                <a:t>Dynamic Capabilities Theory</a:t>
+              </a:r>
+              <a:r>
+                <a:rPr kumimoji="1" lang="zh-TW" altLang="en-US" b="1" dirty="0">
+                  <a:solidFill>
+                    <a:schemeClr val="tx1"/>
+                  </a:solidFill>
+                  <a:latin typeface="Microsoft JhengHei" panose="020B0604030504040204" pitchFamily="34" charset="-120"/>
+                  <a:ea typeface="Microsoft JhengHei" panose="020B0604030504040204" pitchFamily="34" charset="-120"/>
+                </a:rPr>
+                <a:t>）</a:t>
+              </a:r>
+            </a:p>
+          </p:txBody>
+        </p:sp>
+        <p:sp>
+          <p:nvSpPr>
+            <p:cNvPr id="23" name="矩形 22">
+              <a:extLst>
+                <a:ext uri="{FF2B5EF4-FFF2-40B4-BE49-F238E27FC236}">
+                  <a16:creationId xmlns:a16="http://schemas.microsoft.com/office/drawing/2014/main" id="{1EA05B09-2E3F-CA40-B680-2410B5FDDF5B}"/>
+                </a:ext>
+              </a:extLst>
+            </p:cNvPr>
+            <p:cNvSpPr/>
+            <p:nvPr/>
+          </p:nvSpPr>
+          <p:spPr>
+            <a:xfrm>
+              <a:off x="2711967" y="5537171"/>
+              <a:ext cx="1898248" cy="612759"/>
+            </a:xfrm>
+            <a:prstGeom prst="rect">
+              <a:avLst/>
+            </a:prstGeom>
             <a:solidFill>
               <a:srgbClr val="1B568C"/>
             </a:solidFill>
-          </a:ln>
-        </p:spPr>
-        <p:style>
-          <a:lnRef idx="2">
-            <a:schemeClr val="accent1">
-              <a:shade val="50000"/>
-            </a:schemeClr>
-          </a:lnRef>
-          <a:fillRef idx="1">
-            <a:schemeClr val="accent1"/>
-          </a:fillRef>
-          <a:effectRef idx="0">
-            <a:schemeClr val="accent1"/>
-          </a:effectRef>
-          <a:fontRef idx="minor">
-            <a:schemeClr val="lt1"/>
-          </a:fontRef>
-        </p:style>
-        <p:txBody>
-          <a:bodyPr rtlCol="0" anchor="ctr"/>
-          <a:lstStyle/>
-          <a:p>
-            <a:pPr algn="ctr"/>
-            <a:r>
-              <a:rPr kumimoji="1" lang="zh-TW" altLang="en-US" dirty="0">
-                <a:latin typeface="Microsoft JhengHei" panose="020B0604030504040204" pitchFamily="34" charset="-120"/>
-                <a:ea typeface="Microsoft JhengHei" panose="020B0604030504040204" pitchFamily="34" charset="-120"/>
-              </a:rPr>
-              <a:t>現象觀察</a:t>
-            </a:r>
-          </a:p>
-        </p:txBody>
-      </p:sp>
-      <p:sp>
-        <p:nvSpPr>
-          <p:cNvPr id="20" name="矩形 19">
-            <a:extLst>
-              <a:ext uri="{FF2B5EF4-FFF2-40B4-BE49-F238E27FC236}">
-                <a16:creationId xmlns:a16="http://schemas.microsoft.com/office/drawing/2014/main" id="{1B62BA96-855F-CC45-B1CE-D4876A92E501}"/>
-              </a:ext>
-            </a:extLst>
-          </p:cNvPr>
-          <p:cNvSpPr/>
-          <p:nvPr/>
-        </p:nvSpPr>
-        <p:spPr>
-          <a:xfrm>
-            <a:off x="4610215" y="4084887"/>
-            <a:ext cx="4841957" cy="604800"/>
-          </a:xfrm>
-          <a:prstGeom prst="rect">
-            <a:avLst/>
-          </a:prstGeom>
-          <a:noFill/>
-          <a:ln w="19050">
+            <a:ln>
+              <a:solidFill>
+                <a:srgbClr val="1B568C"/>
+              </a:solidFill>
+            </a:ln>
+          </p:spPr>
+          <p:style>
+            <a:lnRef idx="2">
+              <a:schemeClr val="accent1">
+                <a:shade val="50000"/>
+              </a:schemeClr>
+            </a:lnRef>
+            <a:fillRef idx="1">
+              <a:schemeClr val="accent1"/>
+            </a:fillRef>
+            <a:effectRef idx="0">
+              <a:schemeClr val="accent1"/>
+            </a:effectRef>
+            <a:fontRef idx="minor">
+              <a:schemeClr val="lt1"/>
+            </a:fontRef>
+          </p:style>
+          <p:txBody>
+            <a:bodyPr rtlCol="0" anchor="ctr"/>
+            <a:lstStyle/>
+            <a:p>
+              <a:pPr algn="ctr"/>
+              <a:r>
+                <a:rPr kumimoji="1" lang="zh-TW" altLang="en-US" dirty="0">
+                  <a:latin typeface="Microsoft JhengHei" panose="020B0604030504040204" pitchFamily="34" charset="-120"/>
+                  <a:ea typeface="Microsoft JhengHei" panose="020B0604030504040204" pitchFamily="34" charset="-120"/>
+                </a:rPr>
+                <a:t>理論</a:t>
+              </a:r>
+            </a:p>
+          </p:txBody>
+        </p:sp>
+        <p:sp>
+          <p:nvSpPr>
+            <p:cNvPr id="24" name="矩形 23">
+              <a:extLst>
+                <a:ext uri="{FF2B5EF4-FFF2-40B4-BE49-F238E27FC236}">
+                  <a16:creationId xmlns:a16="http://schemas.microsoft.com/office/drawing/2014/main" id="{3F91C947-FC3C-B24E-90F7-F95667339F4F}"/>
+                </a:ext>
+              </a:extLst>
+            </p:cNvPr>
+            <p:cNvSpPr/>
+            <p:nvPr/>
+          </p:nvSpPr>
+          <p:spPr>
+            <a:xfrm>
+              <a:off x="4610213" y="2316533"/>
+              <a:ext cx="6777115" cy="1122541"/>
+            </a:xfrm>
+            <a:prstGeom prst="rect">
+              <a:avLst/>
+            </a:prstGeom>
+            <a:noFill/>
+            <a:ln w="19050">
+              <a:solidFill>
+                <a:srgbClr val="1B568C"/>
+              </a:solidFill>
+            </a:ln>
+          </p:spPr>
+          <p:style>
+            <a:lnRef idx="2">
+              <a:schemeClr val="accent1">
+                <a:shade val="50000"/>
+              </a:schemeClr>
+            </a:lnRef>
+            <a:fillRef idx="1">
+              <a:schemeClr val="accent1"/>
+            </a:fillRef>
+            <a:effectRef idx="0">
+              <a:schemeClr val="accent1"/>
+            </a:effectRef>
+            <a:fontRef idx="minor">
+              <a:schemeClr val="lt1"/>
+            </a:fontRef>
+          </p:style>
+          <p:txBody>
+            <a:bodyPr rtlCol="0" anchor="ctr"/>
+            <a:lstStyle/>
+            <a:p>
+              <a:pPr algn="ctr"/>
+              <a:r>
+                <a:rPr kumimoji="1" lang="zh-TW" altLang="en-US" b="1" dirty="0">
+                  <a:solidFill>
+                    <a:schemeClr val="tx1"/>
+                  </a:solidFill>
+                  <a:latin typeface="Microsoft JhengHei" panose="020B0604030504040204" pitchFamily="34" charset="-120"/>
+                  <a:ea typeface="Microsoft JhengHei" panose="020B0604030504040204" pitchFamily="34" charset="-120"/>
+                </a:rPr>
+                <a:t>以行動者網絡理論（</a:t>
+              </a:r>
+              <a:r>
+                <a:rPr kumimoji="1" lang="en-US" altLang="zh-TW" b="1" dirty="0">
+                  <a:solidFill>
+                    <a:schemeClr val="tx1"/>
+                  </a:solidFill>
+                  <a:latin typeface="Microsoft JhengHei" panose="020B0604030504040204" pitchFamily="34" charset="-120"/>
+                  <a:ea typeface="Microsoft JhengHei" panose="020B0604030504040204" pitchFamily="34" charset="-120"/>
+                </a:rPr>
+                <a:t>ANT</a:t>
+              </a:r>
+              <a:r>
+                <a:rPr kumimoji="1" lang="zh-TW" altLang="en-US" b="1" dirty="0">
+                  <a:solidFill>
+                    <a:schemeClr val="tx1"/>
+                  </a:solidFill>
+                  <a:latin typeface="Microsoft JhengHei" panose="020B0604030504040204" pitchFamily="34" charset="-120"/>
+                  <a:ea typeface="Microsoft JhengHei" panose="020B0604030504040204" pitchFamily="34" charset="-120"/>
+                </a:rPr>
+                <a:t>）框架中的轉譯流程四階段</a:t>
+              </a:r>
+              <a:r>
+                <a:rPr kumimoji="1" lang="en-US" altLang="zh-TW" b="1" dirty="0">
+                  <a:solidFill>
+                    <a:schemeClr val="tx1"/>
+                  </a:solidFill>
+                  <a:latin typeface="Microsoft JhengHei" panose="020B0604030504040204" pitchFamily="34" charset="-120"/>
+                  <a:ea typeface="Microsoft JhengHei" panose="020B0604030504040204" pitchFamily="34" charset="-120"/>
+                </a:rPr>
+                <a:t>(</a:t>
+              </a:r>
+              <a:r>
+                <a:rPr kumimoji="1" lang="zh-TW" altLang="en-US" b="1" dirty="0">
+                  <a:solidFill>
+                    <a:schemeClr val="tx1"/>
+                  </a:solidFill>
+                  <a:latin typeface="Microsoft JhengHei" panose="020B0604030504040204" pitchFamily="34" charset="-120"/>
+                  <a:ea typeface="Microsoft JhengHei" panose="020B0604030504040204" pitchFamily="34" charset="-120"/>
+                </a:rPr>
+                <a:t>問題化、利益綑綁、徵召、動員</a:t>
+              </a:r>
+              <a:r>
+                <a:rPr kumimoji="1" lang="en-US" altLang="zh-TW" b="1" dirty="0">
+                  <a:solidFill>
+                    <a:schemeClr val="tx1"/>
+                  </a:solidFill>
+                  <a:latin typeface="Microsoft JhengHei" panose="020B0604030504040204" pitchFamily="34" charset="-120"/>
+                  <a:ea typeface="Microsoft JhengHei" panose="020B0604030504040204" pitchFamily="34" charset="-120"/>
+                </a:rPr>
+                <a:t>)</a:t>
+              </a:r>
+              <a:r>
+                <a:rPr kumimoji="1" lang="zh-TW" altLang="en-US" b="1" dirty="0">
+                  <a:solidFill>
+                    <a:schemeClr val="tx1"/>
+                  </a:solidFill>
+                  <a:latin typeface="Microsoft JhengHei" panose="020B0604030504040204" pitchFamily="34" charset="-120"/>
+                  <a:ea typeface="Microsoft JhengHei" panose="020B0604030504040204" pitchFamily="34" charset="-120"/>
+                </a:rPr>
+                <a:t>來</a:t>
+              </a:r>
+              <a:r>
+                <a:rPr kumimoji="1" lang="zh-TW" altLang="en-US" b="1" dirty="0">
+                  <a:solidFill>
+                    <a:srgbClr val="FF0000"/>
+                  </a:solidFill>
+                  <a:latin typeface="Microsoft JhengHei" panose="020B0604030504040204" pitchFamily="34" charset="-120"/>
+                  <a:ea typeface="Microsoft JhengHei" panose="020B0604030504040204" pitchFamily="34" charset="-120"/>
+                </a:rPr>
+                <a:t>探討</a:t>
+              </a:r>
+              <a:r>
+                <a:rPr kumimoji="1" lang="en-US" altLang="zh-TW" b="1" dirty="0">
+                  <a:solidFill>
+                    <a:srgbClr val="FF0000"/>
+                  </a:solidFill>
+                  <a:latin typeface="Microsoft JhengHei" panose="020B0604030504040204" pitchFamily="34" charset="-120"/>
+                  <a:ea typeface="Microsoft JhengHei" panose="020B0604030504040204" pitchFamily="34" charset="-120"/>
+                </a:rPr>
+                <a:t>Frontier</a:t>
+              </a:r>
+              <a:r>
+                <a:rPr kumimoji="1" lang="zh-TW" altLang="en-US" b="1" dirty="0">
+                  <a:solidFill>
+                    <a:srgbClr val="FF0000"/>
+                  </a:solidFill>
+                  <a:latin typeface="Microsoft JhengHei" panose="020B0604030504040204" pitchFamily="34" charset="-120"/>
+                  <a:ea typeface="Microsoft JhengHei" panose="020B0604030504040204" pitchFamily="34" charset="-120"/>
+                </a:rPr>
+                <a:t>平台從創立到成功建立數位轉型網絡的過程</a:t>
+              </a:r>
+              <a:r>
+                <a:rPr kumimoji="1" lang="zh-TW" altLang="en-US" b="1" dirty="0">
+                  <a:solidFill>
+                    <a:schemeClr val="tx1"/>
+                  </a:solidFill>
+                  <a:latin typeface="Microsoft JhengHei" panose="020B0604030504040204" pitchFamily="34" charset="-120"/>
+                  <a:ea typeface="Microsoft JhengHei" panose="020B0604030504040204" pitchFamily="34" charset="-120"/>
+                </a:rPr>
+                <a:t>，並</a:t>
+              </a:r>
+              <a:r>
+                <a:rPr kumimoji="1" lang="zh-TW" altLang="en-US" b="1" dirty="0">
+                  <a:solidFill>
+                    <a:srgbClr val="FF0000"/>
+                  </a:solidFill>
+                  <a:latin typeface="Microsoft JhengHei" panose="020B0604030504040204" pitchFamily="34" charset="-120"/>
+                  <a:ea typeface="Microsoft JhengHei" panose="020B0604030504040204" pitchFamily="34" charset="-120"/>
+                </a:rPr>
+                <a:t>分析</a:t>
+              </a:r>
+              <a:r>
+                <a:rPr kumimoji="1" lang="en-US" altLang="zh-TW" b="1" dirty="0">
+                  <a:solidFill>
+                    <a:srgbClr val="FF0000"/>
+                  </a:solidFill>
+                  <a:latin typeface="Microsoft JhengHei" panose="020B0604030504040204" pitchFamily="34" charset="-120"/>
+                  <a:ea typeface="Microsoft JhengHei" panose="020B0604030504040204" pitchFamily="34" charset="-120"/>
+                </a:rPr>
+                <a:t>Frontier</a:t>
+              </a:r>
+              <a:r>
+                <a:rPr kumimoji="1" lang="zh-TW" altLang="en-US" b="1" dirty="0">
+                  <a:solidFill>
+                    <a:srgbClr val="FF0000"/>
+                  </a:solidFill>
+                  <a:latin typeface="Microsoft JhengHei" panose="020B0604030504040204" pitchFamily="34" charset="-120"/>
+                  <a:ea typeface="Microsoft JhengHei" panose="020B0604030504040204" pitchFamily="34" charset="-120"/>
+                </a:rPr>
+                <a:t>組織如何透過內外部動態能力將組織資源重組與整合</a:t>
+              </a:r>
+              <a:r>
+                <a:rPr kumimoji="1" lang="zh-TW" altLang="en-US" b="1" dirty="0">
+                  <a:solidFill>
+                    <a:schemeClr val="tx1"/>
+                  </a:solidFill>
+                  <a:latin typeface="Microsoft JhengHei" panose="020B0604030504040204" pitchFamily="34" charset="-120"/>
+                  <a:ea typeface="Microsoft JhengHei" panose="020B0604030504040204" pitchFamily="34" charset="-120"/>
+                </a:rPr>
+                <a:t>，成功建立數位轉型網絡。</a:t>
+              </a:r>
+            </a:p>
+          </p:txBody>
+        </p:sp>
+        <p:sp>
+          <p:nvSpPr>
+            <p:cNvPr id="25" name="矩形 24">
+              <a:extLst>
+                <a:ext uri="{FF2B5EF4-FFF2-40B4-BE49-F238E27FC236}">
+                  <a16:creationId xmlns:a16="http://schemas.microsoft.com/office/drawing/2014/main" id="{764A99C5-E9CA-FE40-B6A2-1ADCD001FEB7}"/>
+                </a:ext>
+              </a:extLst>
+            </p:cNvPr>
+            <p:cNvSpPr/>
+            <p:nvPr/>
+          </p:nvSpPr>
+          <p:spPr>
+            <a:xfrm>
+              <a:off x="2711966" y="2615790"/>
+              <a:ext cx="1898248" cy="612759"/>
+            </a:xfrm>
+            <a:prstGeom prst="rect">
+              <a:avLst/>
+            </a:prstGeom>
             <a:solidFill>
               <a:srgbClr val="1B568C"/>
             </a:solidFill>
-          </a:ln>
-        </p:spPr>
-        <p:style>
-          <a:lnRef idx="2">
-            <a:schemeClr val="accent1">
-              <a:shade val="50000"/>
-            </a:schemeClr>
-          </a:lnRef>
-          <a:fillRef idx="1">
-            <a:schemeClr val="accent1"/>
-          </a:fillRef>
-          <a:effectRef idx="0">
-            <a:schemeClr val="accent1"/>
-          </a:effectRef>
-          <a:fontRef idx="minor">
-            <a:schemeClr val="lt1"/>
-          </a:fontRef>
-        </p:style>
-        <p:txBody>
-          <a:bodyPr rtlCol="0" anchor="ctr"/>
-          <a:lstStyle/>
-          <a:p>
-            <a:pPr algn="ctr"/>
-            <a:r>
-              <a:rPr kumimoji="1" lang="en-US" altLang="zh-TW" sz="1600" dirty="0">
-                <a:solidFill>
-                  <a:schemeClr val="tx1"/>
-                </a:solidFill>
-                <a:latin typeface="Microsoft JhengHei" panose="020B0604030504040204" pitchFamily="34" charset="-120"/>
-                <a:ea typeface="Microsoft JhengHei" panose="020B0604030504040204" pitchFamily="34" charset="-120"/>
-              </a:rPr>
-              <a:t>XX</a:t>
-            </a:r>
-            <a:r>
-              <a:rPr kumimoji="1" lang="zh-CN" altLang="en-US" sz="1600" dirty="0">
-                <a:solidFill>
-                  <a:schemeClr val="tx1"/>
-                </a:solidFill>
-                <a:latin typeface="Microsoft JhengHei" panose="020B0604030504040204" pitchFamily="34" charset="-120"/>
-                <a:ea typeface="Microsoft JhengHei" panose="020B0604030504040204" pitchFamily="34" charset="-120"/>
-              </a:rPr>
-              <a:t>科技如何</a:t>
-            </a:r>
-            <a:r>
-              <a:rPr kumimoji="1" lang="zh-TW" altLang="en-US" sz="1600" dirty="0">
-                <a:solidFill>
-                  <a:schemeClr val="tx1"/>
-                </a:solidFill>
-                <a:latin typeface="Microsoft JhengHei" panose="020B0604030504040204" pitchFamily="34" charset="-120"/>
-                <a:ea typeface="Microsoft JhengHei" panose="020B0604030504040204" pitchFamily="34" charset="-120"/>
-              </a:rPr>
-              <a:t>在思維轉變的情況之下</a:t>
-            </a:r>
-            <a:endParaRPr kumimoji="1" lang="en-US" altLang="zh-TW" sz="1600" dirty="0">
+            <a:ln>
               <a:solidFill>
-                <a:schemeClr val="tx1"/>
+                <a:srgbClr val="1B568C"/>
               </a:solidFill>
-              <a:latin typeface="Microsoft JhengHei" panose="020B0604030504040204" pitchFamily="34" charset="-120"/>
-              <a:ea typeface="Microsoft JhengHei" panose="020B0604030504040204" pitchFamily="34" charset="-120"/>
-            </a:endParaRPr>
-          </a:p>
-          <a:p>
-            <a:pPr algn="ctr"/>
-            <a:r>
-              <a:rPr kumimoji="1" lang="zh-TW" altLang="en-US" sz="1600" dirty="0">
-                <a:solidFill>
-                  <a:schemeClr val="tx1"/>
-                </a:solidFill>
-                <a:latin typeface="Microsoft JhengHei" panose="020B0604030504040204" pitchFamily="34" charset="-120"/>
-                <a:ea typeface="Microsoft JhengHei" panose="020B0604030504040204" pitchFamily="34" charset="-120"/>
-              </a:rPr>
-              <a:t>快速且精準地走向顧客導向以發展出相關服務</a:t>
-            </a:r>
-            <a:r>
-              <a:rPr kumimoji="1" lang="zh-CN" altLang="en-US" sz="1600" dirty="0">
-                <a:solidFill>
-                  <a:schemeClr val="tx1"/>
-                </a:solidFill>
-                <a:latin typeface="Microsoft JhengHei" panose="020B0604030504040204" pitchFamily="34" charset="-120"/>
-                <a:ea typeface="Microsoft JhengHei" panose="020B0604030504040204" pitchFamily="34" charset="-120"/>
-              </a:rPr>
-              <a:t>。</a:t>
-            </a:r>
-            <a:endParaRPr kumimoji="1" lang="zh-TW" altLang="en-US" sz="1600" dirty="0">
-              <a:solidFill>
-                <a:schemeClr val="tx1"/>
-              </a:solidFill>
-              <a:latin typeface="Microsoft JhengHei" panose="020B0604030504040204" pitchFamily="34" charset="-120"/>
-              <a:ea typeface="Microsoft JhengHei" panose="020B0604030504040204" pitchFamily="34" charset="-120"/>
-            </a:endParaRPr>
-          </a:p>
-        </p:txBody>
-      </p:sp>
-      <p:sp>
-        <p:nvSpPr>
-          <p:cNvPr id="21" name="矩形 20">
-            <a:extLst>
-              <a:ext uri="{FF2B5EF4-FFF2-40B4-BE49-F238E27FC236}">
-                <a16:creationId xmlns:a16="http://schemas.microsoft.com/office/drawing/2014/main" id="{FAF8597D-5B69-A048-BA18-CB4654D12A99}"/>
-              </a:ext>
-            </a:extLst>
-          </p:cNvPr>
-          <p:cNvSpPr/>
-          <p:nvPr/>
-        </p:nvSpPr>
-        <p:spPr>
-          <a:xfrm>
-            <a:off x="2711967" y="4084197"/>
-            <a:ext cx="1898248" cy="612759"/>
-          </a:xfrm>
-          <a:prstGeom prst="rect">
-            <a:avLst/>
-          </a:prstGeom>
-          <a:solidFill>
-            <a:srgbClr val="1B568C"/>
-          </a:solidFill>
-          <a:ln>
-            <a:solidFill>
-              <a:srgbClr val="1B568C"/>
-            </a:solidFill>
-          </a:ln>
-        </p:spPr>
-        <p:style>
-          <a:lnRef idx="2">
-            <a:schemeClr val="accent1">
-              <a:shade val="50000"/>
-            </a:schemeClr>
-          </a:lnRef>
-          <a:fillRef idx="1">
-            <a:schemeClr val="accent1"/>
-          </a:fillRef>
-          <a:effectRef idx="0">
-            <a:schemeClr val="accent1"/>
-          </a:effectRef>
-          <a:fontRef idx="minor">
-            <a:schemeClr val="lt1"/>
-          </a:fontRef>
-        </p:style>
-        <p:txBody>
-          <a:bodyPr rtlCol="0" anchor="ctr"/>
-          <a:lstStyle/>
-          <a:p>
-            <a:pPr algn="ctr"/>
-            <a:r>
-              <a:rPr kumimoji="1" lang="zh-TW" altLang="en-US" dirty="0">
-                <a:latin typeface="Microsoft JhengHei" panose="020B0604030504040204" pitchFamily="34" charset="-120"/>
-                <a:ea typeface="Microsoft JhengHei" panose="020B0604030504040204" pitchFamily="34" charset="-120"/>
-              </a:rPr>
-              <a:t>分析單元</a:t>
-            </a:r>
-          </a:p>
-        </p:txBody>
-      </p:sp>
-      <p:sp>
-        <p:nvSpPr>
-          <p:cNvPr id="22" name="矩形 21">
-            <a:extLst>
-              <a:ext uri="{FF2B5EF4-FFF2-40B4-BE49-F238E27FC236}">
-                <a16:creationId xmlns:a16="http://schemas.microsoft.com/office/drawing/2014/main" id="{497ED3AD-5293-3847-8350-6AA0E53B16EA}"/>
-              </a:ext>
-            </a:extLst>
-          </p:cNvPr>
-          <p:cNvSpPr/>
-          <p:nvPr/>
-        </p:nvSpPr>
-        <p:spPr>
-          <a:xfrm>
-            <a:off x="4610215" y="5534732"/>
-            <a:ext cx="4841957" cy="612000"/>
-          </a:xfrm>
-          <a:prstGeom prst="rect">
-            <a:avLst/>
-          </a:prstGeom>
-          <a:noFill/>
-          <a:ln w="19050">
-            <a:solidFill>
-              <a:srgbClr val="1B568C"/>
-            </a:solidFill>
-          </a:ln>
-        </p:spPr>
-        <p:style>
-          <a:lnRef idx="2">
-            <a:schemeClr val="accent1">
-              <a:shade val="50000"/>
-            </a:schemeClr>
-          </a:lnRef>
-          <a:fillRef idx="1">
-            <a:schemeClr val="accent1"/>
-          </a:fillRef>
-          <a:effectRef idx="0">
-            <a:schemeClr val="accent1"/>
-          </a:effectRef>
-          <a:fontRef idx="minor">
-            <a:schemeClr val="lt1"/>
-          </a:fontRef>
-        </p:style>
-        <p:txBody>
-          <a:bodyPr rtlCol="0" anchor="ctr"/>
-          <a:lstStyle/>
-          <a:p>
-            <a:pPr algn="ctr"/>
-            <a:r>
-              <a:rPr kumimoji="1" lang="zh-TW" altLang="en-US" b="1" dirty="0">
-                <a:solidFill>
-                  <a:schemeClr val="tx1"/>
-                </a:solidFill>
-                <a:latin typeface="Microsoft JhengHei" panose="020B0604030504040204" pitchFamily="34" charset="-120"/>
-                <a:ea typeface="Microsoft JhengHei" panose="020B0604030504040204" pitchFamily="34" charset="-120"/>
-              </a:rPr>
-              <a:t>藝文社會企業商業模式、資源拼湊</a:t>
-            </a:r>
-          </a:p>
-        </p:txBody>
-      </p:sp>
-      <p:sp>
-        <p:nvSpPr>
-          <p:cNvPr id="23" name="矩形 22">
-            <a:extLst>
-              <a:ext uri="{FF2B5EF4-FFF2-40B4-BE49-F238E27FC236}">
-                <a16:creationId xmlns:a16="http://schemas.microsoft.com/office/drawing/2014/main" id="{1EA05B09-2E3F-CA40-B680-2410B5FDDF5B}"/>
-              </a:ext>
-            </a:extLst>
-          </p:cNvPr>
-          <p:cNvSpPr/>
-          <p:nvPr/>
-        </p:nvSpPr>
-        <p:spPr>
-          <a:xfrm>
-            <a:off x="2711967" y="5537171"/>
-            <a:ext cx="1898248" cy="612759"/>
-          </a:xfrm>
-          <a:prstGeom prst="rect">
-            <a:avLst/>
-          </a:prstGeom>
-          <a:solidFill>
-            <a:srgbClr val="1B568C"/>
-          </a:solidFill>
-          <a:ln>
-            <a:solidFill>
-              <a:srgbClr val="1B568C"/>
-            </a:solidFill>
-          </a:ln>
-        </p:spPr>
-        <p:style>
-          <a:lnRef idx="2">
-            <a:schemeClr val="accent1">
-              <a:shade val="50000"/>
-            </a:schemeClr>
-          </a:lnRef>
-          <a:fillRef idx="1">
-            <a:schemeClr val="accent1"/>
-          </a:fillRef>
-          <a:effectRef idx="0">
-            <a:schemeClr val="accent1"/>
-          </a:effectRef>
-          <a:fontRef idx="minor">
-            <a:schemeClr val="lt1"/>
-          </a:fontRef>
-        </p:style>
-        <p:txBody>
-          <a:bodyPr rtlCol="0" anchor="ctr"/>
-          <a:lstStyle/>
-          <a:p>
-            <a:pPr algn="ctr"/>
-            <a:r>
-              <a:rPr kumimoji="1" lang="zh-TW" altLang="en-US" dirty="0">
-                <a:latin typeface="Microsoft JhengHei" panose="020B0604030504040204" pitchFamily="34" charset="-120"/>
-                <a:ea typeface="Microsoft JhengHei" panose="020B0604030504040204" pitchFamily="34" charset="-120"/>
-              </a:rPr>
-              <a:t>理論</a:t>
-            </a:r>
-          </a:p>
-        </p:txBody>
-      </p:sp>
-      <p:sp>
-        <p:nvSpPr>
-          <p:cNvPr id="24" name="矩形 23">
-            <a:extLst>
-              <a:ext uri="{FF2B5EF4-FFF2-40B4-BE49-F238E27FC236}">
-                <a16:creationId xmlns:a16="http://schemas.microsoft.com/office/drawing/2014/main" id="{3F91C947-FC3C-B24E-90F7-F95667339F4F}"/>
-              </a:ext>
-            </a:extLst>
-          </p:cNvPr>
-          <p:cNvSpPr/>
-          <p:nvPr/>
-        </p:nvSpPr>
-        <p:spPr>
-          <a:xfrm>
-            <a:off x="4610214" y="2631914"/>
-            <a:ext cx="4841959" cy="612029"/>
-          </a:xfrm>
-          <a:prstGeom prst="rect">
-            <a:avLst/>
-          </a:prstGeom>
-          <a:noFill/>
-          <a:ln w="19050">
-            <a:solidFill>
-              <a:srgbClr val="1B568C"/>
-            </a:solidFill>
-          </a:ln>
-        </p:spPr>
-        <p:style>
-          <a:lnRef idx="2">
-            <a:schemeClr val="accent1">
-              <a:shade val="50000"/>
-            </a:schemeClr>
-          </a:lnRef>
-          <a:fillRef idx="1">
-            <a:schemeClr val="accent1"/>
-          </a:fillRef>
-          <a:effectRef idx="0">
-            <a:schemeClr val="accent1"/>
-          </a:effectRef>
-          <a:fontRef idx="minor">
-            <a:schemeClr val="lt1"/>
-          </a:fontRef>
-        </p:style>
-        <p:txBody>
-          <a:bodyPr rtlCol="0" anchor="ctr"/>
-          <a:lstStyle/>
-          <a:p>
-            <a:pPr algn="ctr"/>
-            <a:r>
-              <a:rPr kumimoji="1" lang="zh-TW" altLang="en-US" sz="1600" b="1" dirty="0">
-                <a:solidFill>
-                  <a:schemeClr val="tx1"/>
-                </a:solidFill>
-                <a:latin typeface="Microsoft JhengHei" panose="020B0604030504040204" pitchFamily="34" charset="-120"/>
-                <a:ea typeface="Microsoft JhengHei" panose="020B0604030504040204" pitchFamily="34" charset="-120"/>
-              </a:rPr>
-              <a:t>新創的主導邏輯轉變 </a:t>
-            </a:r>
-            <a:r>
-              <a:rPr kumimoji="1" lang="en-US" altLang="zh-TW" sz="1600" b="1" dirty="0">
-                <a:solidFill>
-                  <a:schemeClr val="tx1"/>
-                </a:solidFill>
-                <a:latin typeface="Microsoft JhengHei" panose="020B0604030504040204" pitchFamily="34" charset="-120"/>
-                <a:ea typeface="Microsoft JhengHei" panose="020B0604030504040204" pitchFamily="34" charset="-120"/>
-              </a:rPr>
-              <a:t>–</a:t>
-            </a:r>
-            <a:r>
-              <a:rPr kumimoji="1" lang="zh-TW" altLang="en-US" sz="1600" b="1" dirty="0">
-                <a:solidFill>
-                  <a:schemeClr val="tx1"/>
-                </a:solidFill>
-                <a:latin typeface="Microsoft JhengHei" panose="020B0604030504040204" pitchFamily="34" charset="-120"/>
-                <a:ea typeface="Microsoft JhengHei" panose="020B0604030504040204" pitchFamily="34" charset="-120"/>
-              </a:rPr>
-              <a:t> 以</a:t>
-            </a:r>
-            <a:r>
-              <a:rPr kumimoji="1" lang="en-US" altLang="zh-TW" sz="1600" b="1" dirty="0">
-                <a:solidFill>
-                  <a:schemeClr val="tx1"/>
-                </a:solidFill>
-                <a:latin typeface="Microsoft JhengHei" panose="020B0604030504040204" pitchFamily="34" charset="-120"/>
-                <a:ea typeface="Microsoft JhengHei" panose="020B0604030504040204" pitchFamily="34" charset="-120"/>
-              </a:rPr>
-              <a:t>XX</a:t>
-            </a:r>
-            <a:r>
-              <a:rPr kumimoji="1" lang="zh-CN" altLang="en-US" sz="1600" b="1" dirty="0">
-                <a:solidFill>
-                  <a:schemeClr val="tx1"/>
-                </a:solidFill>
-                <a:latin typeface="Microsoft JhengHei" panose="020B0604030504040204" pitchFamily="34" charset="-120"/>
-                <a:ea typeface="Microsoft JhengHei" panose="020B0604030504040204" pitchFamily="34" charset="-120"/>
-              </a:rPr>
-              <a:t>科技的</a:t>
-            </a:r>
-            <a:r>
-              <a:rPr kumimoji="1" lang="en-US" altLang="zh-TW" sz="1600" b="1" dirty="0">
-                <a:solidFill>
-                  <a:schemeClr val="tx1"/>
-                </a:solidFill>
-                <a:latin typeface="Microsoft JhengHei" panose="020B0604030504040204" pitchFamily="34" charset="-120"/>
-                <a:ea typeface="Microsoft JhengHei" panose="020B0604030504040204" pitchFamily="34" charset="-120"/>
-              </a:rPr>
-              <a:t>XXX</a:t>
-            </a:r>
-            <a:r>
-              <a:rPr kumimoji="1" lang="zh-TW" altLang="en-US" sz="1600" b="1" dirty="0">
-                <a:solidFill>
-                  <a:schemeClr val="tx1"/>
-                </a:solidFill>
-                <a:latin typeface="Microsoft JhengHei" panose="020B0604030504040204" pitchFamily="34" charset="-120"/>
-                <a:ea typeface="Microsoft JhengHei" panose="020B0604030504040204" pitchFamily="34" charset="-120"/>
-              </a:rPr>
-              <a:t>平台為例</a:t>
-            </a:r>
-          </a:p>
-        </p:txBody>
-      </p:sp>
-      <p:sp>
-        <p:nvSpPr>
-          <p:cNvPr id="25" name="矩形 24">
-            <a:extLst>
-              <a:ext uri="{FF2B5EF4-FFF2-40B4-BE49-F238E27FC236}">
-                <a16:creationId xmlns:a16="http://schemas.microsoft.com/office/drawing/2014/main" id="{764A99C5-E9CA-FE40-B6A2-1ADCD001FEB7}"/>
-              </a:ext>
-            </a:extLst>
-          </p:cNvPr>
-          <p:cNvSpPr/>
-          <p:nvPr/>
-        </p:nvSpPr>
-        <p:spPr>
-          <a:xfrm>
-            <a:off x="2711967" y="2631224"/>
-            <a:ext cx="1898248" cy="612759"/>
-          </a:xfrm>
-          <a:prstGeom prst="rect">
-            <a:avLst/>
-          </a:prstGeom>
-          <a:solidFill>
-            <a:srgbClr val="1B568C"/>
-          </a:solidFill>
-          <a:ln>
-            <a:solidFill>
-              <a:srgbClr val="1B568C"/>
-            </a:solidFill>
-          </a:ln>
-        </p:spPr>
-        <p:style>
-          <a:lnRef idx="2">
-            <a:schemeClr val="accent1">
-              <a:shade val="50000"/>
-            </a:schemeClr>
-          </a:lnRef>
-          <a:fillRef idx="1">
-            <a:schemeClr val="accent1"/>
-          </a:fillRef>
-          <a:effectRef idx="0">
-            <a:schemeClr val="accent1"/>
-          </a:effectRef>
-          <a:fontRef idx="minor">
-            <a:schemeClr val="lt1"/>
-          </a:fontRef>
-        </p:style>
-        <p:txBody>
-          <a:bodyPr rtlCol="0" anchor="ctr"/>
-          <a:lstStyle/>
-          <a:p>
-            <a:pPr algn="ctr"/>
-            <a:r>
-              <a:rPr kumimoji="1" lang="zh-TW" altLang="en-US" dirty="0">
-                <a:latin typeface="Microsoft JhengHei" panose="020B0604030504040204" pitchFamily="34" charset="-120"/>
-                <a:ea typeface="Microsoft JhengHei" panose="020B0604030504040204" pitchFamily="34" charset="-120"/>
-              </a:rPr>
-              <a:t>個案主題</a:t>
-            </a:r>
-          </a:p>
-        </p:txBody>
-      </p:sp>
-      <p:sp>
-        <p:nvSpPr>
-          <p:cNvPr id="4" name="向下箭號 3">
-            <a:extLst>
-              <a:ext uri="{FF2B5EF4-FFF2-40B4-BE49-F238E27FC236}">
-                <a16:creationId xmlns:a16="http://schemas.microsoft.com/office/drawing/2014/main" id="{95BAF79B-574C-CC4C-8FFE-B9737D5C8E81}"/>
-              </a:ext>
-            </a:extLst>
-          </p:cNvPr>
-          <p:cNvSpPr/>
-          <p:nvPr/>
-        </p:nvSpPr>
-        <p:spPr>
-          <a:xfrm>
-            <a:off x="5706316" y="1939112"/>
-            <a:ext cx="484632" cy="544011"/>
-          </a:xfrm>
-          <a:prstGeom prst="downArrow">
-            <a:avLst/>
-          </a:prstGeom>
-          <a:solidFill>
-            <a:srgbClr val="1B568C"/>
-          </a:solidFill>
-          <a:ln>
-            <a:noFill/>
-          </a:ln>
-        </p:spPr>
-        <p:style>
-          <a:lnRef idx="2">
-            <a:schemeClr val="accent1">
-              <a:shade val="50000"/>
-            </a:schemeClr>
-          </a:lnRef>
-          <a:fillRef idx="1">
-            <a:schemeClr val="accent1"/>
-          </a:fillRef>
-          <a:effectRef idx="0">
-            <a:schemeClr val="accent1"/>
-          </a:effectRef>
-          <a:fontRef idx="minor">
-            <a:schemeClr val="lt1"/>
-          </a:fontRef>
-        </p:style>
-        <p:txBody>
-          <a:bodyPr rtlCol="0" anchor="ctr"/>
-          <a:lstStyle/>
-          <a:p>
-            <a:pPr algn="ctr"/>
-            <a:endParaRPr kumimoji="1" lang="zh-TW" altLang="en-US"/>
-          </a:p>
-        </p:txBody>
-      </p:sp>
-      <p:sp>
-        <p:nvSpPr>
-          <p:cNvPr id="27" name="向下箭號 26">
-            <a:extLst>
-              <a:ext uri="{FF2B5EF4-FFF2-40B4-BE49-F238E27FC236}">
-                <a16:creationId xmlns:a16="http://schemas.microsoft.com/office/drawing/2014/main" id="{D04CBD32-63BD-0441-AAED-6356B8B67DD6}"/>
-              </a:ext>
-            </a:extLst>
-          </p:cNvPr>
-          <p:cNvSpPr/>
-          <p:nvPr/>
-        </p:nvSpPr>
-        <p:spPr>
-          <a:xfrm>
-            <a:off x="5706316" y="4845058"/>
-            <a:ext cx="484632" cy="544011"/>
-          </a:xfrm>
-          <a:prstGeom prst="downArrow">
-            <a:avLst/>
-          </a:prstGeom>
-          <a:solidFill>
-            <a:srgbClr val="1B568C"/>
-          </a:solidFill>
-          <a:ln>
-            <a:noFill/>
-          </a:ln>
-        </p:spPr>
-        <p:style>
-          <a:lnRef idx="2">
-            <a:schemeClr val="accent1">
-              <a:shade val="50000"/>
-            </a:schemeClr>
-          </a:lnRef>
-          <a:fillRef idx="1">
-            <a:schemeClr val="accent1"/>
-          </a:fillRef>
-          <a:effectRef idx="0">
-            <a:schemeClr val="accent1"/>
-          </a:effectRef>
-          <a:fontRef idx="minor">
-            <a:schemeClr val="lt1"/>
-          </a:fontRef>
-        </p:style>
-        <p:txBody>
-          <a:bodyPr rtlCol="0" anchor="ctr"/>
-          <a:lstStyle/>
-          <a:p>
-            <a:pPr algn="ctr"/>
-            <a:endParaRPr kumimoji="1" lang="zh-TW" altLang="en-US"/>
-          </a:p>
-        </p:txBody>
-      </p:sp>
-      <p:sp>
-        <p:nvSpPr>
-          <p:cNvPr id="28" name="向下箭號 27">
-            <a:extLst>
-              <a:ext uri="{FF2B5EF4-FFF2-40B4-BE49-F238E27FC236}">
-                <a16:creationId xmlns:a16="http://schemas.microsoft.com/office/drawing/2014/main" id="{E48B685F-74F4-994B-AE7A-A9D33FB86868}"/>
-              </a:ext>
-            </a:extLst>
-          </p:cNvPr>
-          <p:cNvSpPr/>
-          <p:nvPr/>
-        </p:nvSpPr>
-        <p:spPr>
-          <a:xfrm>
-            <a:off x="5706316" y="3388886"/>
-            <a:ext cx="484632" cy="544011"/>
-          </a:xfrm>
-          <a:prstGeom prst="downArrow">
-            <a:avLst/>
-          </a:prstGeom>
-          <a:solidFill>
-            <a:srgbClr val="1B568C"/>
-          </a:solidFill>
-          <a:ln>
-            <a:noFill/>
-          </a:ln>
-        </p:spPr>
-        <p:style>
-          <a:lnRef idx="2">
-            <a:schemeClr val="accent1">
-              <a:shade val="50000"/>
-            </a:schemeClr>
-          </a:lnRef>
-          <a:fillRef idx="1">
-            <a:schemeClr val="accent1"/>
-          </a:fillRef>
-          <a:effectRef idx="0">
-            <a:schemeClr val="accent1"/>
-          </a:effectRef>
-          <a:fontRef idx="minor">
-            <a:schemeClr val="lt1"/>
-          </a:fontRef>
-        </p:style>
-        <p:txBody>
-          <a:bodyPr rtlCol="0" anchor="ctr"/>
-          <a:lstStyle/>
-          <a:p>
-            <a:pPr algn="ctr"/>
-            <a:endParaRPr kumimoji="1" lang="zh-TW" altLang="en-US"/>
-          </a:p>
-        </p:txBody>
-      </p:sp>
+            </a:ln>
+          </p:spPr>
+          <p:style>
+            <a:lnRef idx="2">
+              <a:schemeClr val="accent1">
+                <a:shade val="50000"/>
+              </a:schemeClr>
+            </a:lnRef>
+            <a:fillRef idx="1">
+              <a:schemeClr val="accent1"/>
+            </a:fillRef>
+            <a:effectRef idx="0">
+              <a:schemeClr val="accent1"/>
+            </a:effectRef>
+            <a:fontRef idx="minor">
+              <a:schemeClr val="lt1"/>
+            </a:fontRef>
+          </p:style>
+          <p:txBody>
+            <a:bodyPr rtlCol="0" anchor="ctr"/>
+            <a:lstStyle/>
+            <a:p>
+              <a:pPr algn="ctr"/>
+              <a:r>
+                <a:rPr kumimoji="1" lang="zh-TW" altLang="en-US" dirty="0">
+                  <a:latin typeface="Microsoft JhengHei" panose="020B0604030504040204" pitchFamily="34" charset="-120"/>
+                  <a:ea typeface="Microsoft JhengHei" panose="020B0604030504040204" pitchFamily="34" charset="-120"/>
+                </a:rPr>
+                <a:t>個案主題</a:t>
+              </a:r>
+            </a:p>
+          </p:txBody>
+        </p:sp>
+      </p:grpSp>
       <p:grpSp>
         <p:nvGrpSpPr>
           <p:cNvPr id="6" name="群組 5">
